--- a/Capstone_Project_Fruit_Prediction.pptx
+++ b/Capstone_Project_Fruit_Prediction.pptx
@@ -12487,7 +12487,7 @@
             </a:pPr>
             <a:r>
               <a:rPr lang="en-US" dirty="0"/>
-              <a:t>Reservoir Simulation,</a:t>
+              <a:t>Reservoir Simulation</a:t>
             </a:r>
           </a:p>
           <a:p>
@@ -12509,23 +12509,11 @@
             </a:pPr>
             <a:r>
               <a:rPr lang="en-US" dirty="0"/>
-              <a:t>Web application development</a:t>
+              <a:t>Software development</a:t>
             </a:r>
           </a:p>
           <a:p>
-            <a:pPr marL="0" lvl="0" indent="0" algn="l" rtl="0">
-              <a:spcBef>
-                <a:spcPts val="0"/>
-              </a:spcBef>
-              <a:spcAft>
-                <a:spcPts val="1200"/>
-              </a:spcAft>
-              <a:buNone/>
-            </a:pPr>
-            <a:endParaRPr lang="en-US" dirty="0"/>
-          </a:p>
-          <a:p>
-            <a:pPr marL="0" lvl="0" indent="0" algn="l" rtl="0">
+            <a:pPr marL="0" lvl="0" indent="0" rtl="0">
               <a:spcBef>
                 <a:spcPts val="0"/>
               </a:spcBef>
@@ -12560,7 +12548,7 @@
         </p:blipFill>
         <p:spPr>
           <a:xfrm>
-            <a:off x="4816950" y="2870390"/>
+            <a:off x="4877020" y="3023149"/>
             <a:ext cx="1584089" cy="965261"/>
           </a:xfrm>
           <a:prstGeom prst="rect">
@@ -12590,8 +12578,8 @@
         </p:blipFill>
         <p:spPr>
           <a:xfrm>
-            <a:off x="6496211" y="2870390"/>
-            <a:ext cx="1399666" cy="996732"/>
+            <a:off x="6517289" y="3023150"/>
+            <a:ext cx="1355473" cy="965261"/>
           </a:xfrm>
           <a:prstGeom prst="rect">
             <a:avLst/>
@@ -13062,13 +13050,13 @@
           <p:nvPr>
             <p:extLst>
               <p:ext uri="{D42A27DB-BD31-4B8C-83A1-F6EECF244321}">
-                <p14:modId xmlns:p14="http://schemas.microsoft.com/office/powerpoint/2010/main" val="3416133703"/>
+                <p14:modId xmlns:p14="http://schemas.microsoft.com/office/powerpoint/2010/main" val="694190295"/>
               </p:ext>
             </p:extLst>
           </p:nvPr>
         </p:nvGraphicFramePr>
         <p:xfrm>
-          <a:off x="805604" y="1248122"/>
+          <a:off x="825627" y="1481728"/>
           <a:ext cx="3692977" cy="3183714"/>
         </p:xfrm>
         <a:graphic>
@@ -13092,7 +13080,7 @@
           <p:nvPr>
             <p:extLst>
               <p:ext uri="{D42A27DB-BD31-4B8C-83A1-F6EECF244321}">
-                <p14:modId xmlns:p14="http://schemas.microsoft.com/office/powerpoint/2010/main" val="2095263002"/>
+                <p14:modId xmlns:p14="http://schemas.microsoft.com/office/powerpoint/2010/main" val="4209368024"/>
               </p:ext>
             </p:extLst>
           </p:nvPr>

--- a/Capstone_Project_Fruit_Prediction.pptx
+++ b/Capstone_Project_Fruit_Prediction.pptx
@@ -11672,7 +11672,7 @@
         <p:spPr>
           <a:xfrm>
             <a:off x="3537150" y="3057184"/>
-            <a:ext cx="5168026" cy="788839"/>
+            <a:ext cx="5406616" cy="980860"/>
           </a:xfrm>
           <a:prstGeom prst="rect">
             <a:avLst/>
@@ -11680,9 +11680,36 @@
         </p:spPr>
         <p:txBody>
           <a:bodyPr spcFirstLastPara="1" wrap="square" lIns="91425" tIns="91425" rIns="91425" bIns="91425" anchor="t" anchorCtr="0">
-            <a:normAutofit/>
+            <a:normAutofit fontScale="92500" lnSpcReduction="20000"/>
           </a:bodyPr>
           <a:lstStyle/>
+          <a:p>
+            <a:pPr marL="0" lvl="0" indent="0" rtl="0">
+              <a:spcBef>
+                <a:spcPts val="0"/>
+              </a:spcBef>
+              <a:spcAft>
+                <a:spcPts val="0"/>
+              </a:spcAft>
+              <a:buNone/>
+            </a:pPr>
+            <a:r>
+              <a:rPr lang="en-US" dirty="0"/>
+              <a:t>Springboard Machine Learning Career Track (May 2021) - Capstone Project</a:t>
+            </a:r>
+          </a:p>
+          <a:p>
+            <a:pPr marL="0" lvl="0" indent="0" rtl="0">
+              <a:spcBef>
+                <a:spcPts val="0"/>
+              </a:spcBef>
+              <a:spcAft>
+                <a:spcPts val="0"/>
+              </a:spcAft>
+              <a:buNone/>
+            </a:pPr>
+            <a:endParaRPr lang="en" dirty="0"/>
+          </a:p>
           <a:p>
             <a:pPr marL="0" lvl="0" indent="0" rtl="0">
               <a:spcBef>
@@ -12548,7 +12575,7 @@
         </p:blipFill>
         <p:spPr>
           <a:xfrm>
-            <a:off x="4877020" y="3023149"/>
+            <a:off x="4863671" y="2870390"/>
             <a:ext cx="1584089" cy="965261"/>
           </a:xfrm>
           <a:prstGeom prst="rect">
@@ -12578,7 +12605,7 @@
         </p:blipFill>
         <p:spPr>
           <a:xfrm>
-            <a:off x="6517289" y="3023150"/>
+            <a:off x="6517310" y="2870390"/>
             <a:ext cx="1355473" cy="965261"/>
           </a:xfrm>
           <a:prstGeom prst="rect">
@@ -12586,6 +12613,67 @@
           </a:prstGeom>
         </p:spPr>
       </p:pic>
+      <p:sp>
+        <p:nvSpPr>
+          <p:cNvPr id="2" name="TextBox 1">
+            <a:extLst>
+              <a:ext uri="{FF2B5EF4-FFF2-40B4-BE49-F238E27FC236}">
+                <a16:creationId xmlns:a16="http://schemas.microsoft.com/office/drawing/2014/main" id="{7226E876-B3D5-4B3E-AA1C-666D8AB57E45}"/>
+              </a:ext>
+            </a:extLst>
+          </p:cNvPr>
+          <p:cNvSpPr txBox="1"/>
+          <p:nvPr/>
+        </p:nvSpPr>
+        <p:spPr>
+          <a:xfrm>
+            <a:off x="1297500" y="4170973"/>
+            <a:ext cx="5089855" cy="307777"/>
+          </a:xfrm>
+          <a:prstGeom prst="rect">
+            <a:avLst/>
+          </a:prstGeom>
+          <a:noFill/>
+        </p:spPr>
+        <p:txBody>
+          <a:bodyPr wrap="none" rtlCol="0">
+            <a:spAutoFit/>
+          </a:bodyPr>
+          <a:lstStyle/>
+          <a:p>
+            <a:r>
+              <a:rPr lang="en-US" dirty="0" err="1">
+                <a:solidFill>
+                  <a:schemeClr val="bg1"/>
+                </a:solidFill>
+              </a:rPr>
+              <a:t>Linkedin</a:t>
+            </a:r>
+            <a:r>
+              <a:rPr lang="en-US" dirty="0">
+                <a:solidFill>
+                  <a:schemeClr val="bg1"/>
+                </a:solidFill>
+              </a:rPr>
+              <a:t>: </a:t>
+            </a:r>
+            <a:r>
+              <a:rPr lang="en-US" dirty="0">
+                <a:solidFill>
+                  <a:schemeClr val="bg1"/>
+                </a:solidFill>
+                <a:hlinkClick r:id="rId5"/>
+              </a:rPr>
+              <a:t>https://www.linkedin.com/in/deming-wang-16011611/</a:t>
+            </a:r>
+            <a:endParaRPr lang="en-US" dirty="0">
+              <a:solidFill>
+                <a:schemeClr val="bg1"/>
+              </a:solidFill>
+            </a:endParaRPr>
+          </a:p>
+        </p:txBody>
+      </p:sp>
     </p:spTree>
   </p:cSld>
   <p:clrMapOvr>
